--- a/assets/image/image_ppt.pptx
+++ b/assets/image/image_ppt.pptx
@@ -105,6 +105,11 @@
       </a:defRPr>
     </a:lvl9pPr>
   </p:defaultTextStyle>
+  <p:extLst>
+    <p:ext uri="{EFAFB233-063F-42B5-8137-9DF3F51BA10A}">
+      <p15:sldGuideLst xmlns:p15="http://schemas.microsoft.com/office/powerpoint/2012/main"/>
+    </p:ext>
+  </p:extLst>
 </p:presentation>
 </file>
 
@@ -3943,12 +3948,357 @@
           <a:chExt cx="0" cy="0"/>
         </a:xfrm>
       </p:grpSpPr>
-      <p:sp>
-        <p:nvSpPr>
-          <p:cNvPr id="7" name="L 圖案 6">
-            <a:extLst>
-              <a:ext uri="{FF2B5EF4-FFF2-40B4-BE49-F238E27FC236}">
-                <a16:creationId xmlns:a16="http://schemas.microsoft.com/office/drawing/2014/main" id="{FEB1D4E7-7F3B-4976-AD8E-16F407433257}"/>
+      <p:grpSp>
+        <p:nvGrpSpPr>
+          <p:cNvPr id="4" name="群組 3">
+            <a:extLst>
+              <a:ext uri="{FF2B5EF4-FFF2-40B4-BE49-F238E27FC236}">
+                <a16:creationId xmlns:a16="http://schemas.microsoft.com/office/drawing/2014/main" id="{C3A70C37-8B29-473F-A3D8-2A1B0A0175F5}"/>
+              </a:ext>
+            </a:extLst>
+          </p:cNvPr>
+          <p:cNvGrpSpPr/>
+          <p:nvPr/>
+        </p:nvGrpSpPr>
+        <p:grpSpPr>
+          <a:xfrm>
+            <a:off x="2358704" y="823798"/>
+            <a:ext cx="1431723" cy="1354655"/>
+            <a:chOff x="848686" y="1001186"/>
+            <a:chExt cx="1431723" cy="1251258"/>
+          </a:xfrm>
+        </p:grpSpPr>
+        <p:sp>
+          <p:nvSpPr>
+            <p:cNvPr id="7" name="L 圖案 6">
+              <a:extLst>
+                <a:ext uri="{FF2B5EF4-FFF2-40B4-BE49-F238E27FC236}">
+                  <a16:creationId xmlns:a16="http://schemas.microsoft.com/office/drawing/2014/main" id="{FEB1D4E7-7F3B-4976-AD8E-16F407433257}"/>
+                </a:ext>
+              </a:extLst>
+            </p:cNvPr>
+            <p:cNvSpPr/>
+            <p:nvPr/>
+          </p:nvSpPr>
+          <p:spPr>
+            <a:xfrm>
+              <a:off x="848686" y="1791050"/>
+              <a:ext cx="469783" cy="461394"/>
+            </a:xfrm>
+            <a:prstGeom prst="corner">
+              <a:avLst>
+                <a:gd name="adj1" fmla="val 31818"/>
+                <a:gd name="adj2" fmla="val 35455"/>
+              </a:avLst>
+            </a:prstGeom>
+            <a:solidFill>
+              <a:schemeClr val="tx1">
+                <a:lumMod val="75000"/>
+                <a:lumOff val="25000"/>
+              </a:schemeClr>
+            </a:solidFill>
+          </p:spPr>
+          <p:style>
+            <a:lnRef idx="2">
+              <a:schemeClr val="accent1">
+                <a:shade val="50000"/>
+              </a:schemeClr>
+            </a:lnRef>
+            <a:fillRef idx="1">
+              <a:schemeClr val="accent1"/>
+            </a:fillRef>
+            <a:effectRef idx="0">
+              <a:schemeClr val="accent1"/>
+            </a:effectRef>
+            <a:fontRef idx="minor">
+              <a:schemeClr val="lt1"/>
+            </a:fontRef>
+          </p:style>
+          <p:txBody>
+            <a:bodyPr rtlCol="0" anchor="ctr"/>
+            <a:lstStyle/>
+            <a:p>
+              <a:pPr algn="ctr"/>
+              <a:endParaRPr lang="zh-TW" altLang="en-US"/>
+            </a:p>
+          </p:txBody>
+        </p:sp>
+        <p:sp>
+          <p:nvSpPr>
+            <p:cNvPr id="8" name="L 圖案 7">
+              <a:extLst>
+                <a:ext uri="{FF2B5EF4-FFF2-40B4-BE49-F238E27FC236}">
+                  <a16:creationId xmlns:a16="http://schemas.microsoft.com/office/drawing/2014/main" id="{A61444BE-C777-4558-9A13-E5F1D8EE8D35}"/>
+                </a:ext>
+              </a:extLst>
+            </p:cNvPr>
+            <p:cNvSpPr/>
+            <p:nvPr/>
+          </p:nvSpPr>
+          <p:spPr>
+            <a:xfrm rot="5400000">
+              <a:off x="852880" y="1008078"/>
+              <a:ext cx="469783" cy="461394"/>
+            </a:xfrm>
+            <a:prstGeom prst="corner">
+              <a:avLst>
+                <a:gd name="adj1" fmla="val 31818"/>
+                <a:gd name="adj2" fmla="val 35455"/>
+              </a:avLst>
+            </a:prstGeom>
+            <a:solidFill>
+              <a:schemeClr val="tx1">
+                <a:lumMod val="75000"/>
+                <a:lumOff val="25000"/>
+              </a:schemeClr>
+            </a:solidFill>
+          </p:spPr>
+          <p:style>
+            <a:lnRef idx="2">
+              <a:schemeClr val="accent1">
+                <a:shade val="50000"/>
+              </a:schemeClr>
+            </a:lnRef>
+            <a:fillRef idx="1">
+              <a:schemeClr val="accent1"/>
+            </a:fillRef>
+            <a:effectRef idx="0">
+              <a:schemeClr val="accent1"/>
+            </a:effectRef>
+            <a:fontRef idx="minor">
+              <a:schemeClr val="lt1"/>
+            </a:fontRef>
+          </p:style>
+          <p:txBody>
+            <a:bodyPr rtlCol="0" anchor="ctr"/>
+            <a:lstStyle/>
+            <a:p>
+              <a:pPr algn="ctr"/>
+              <a:endParaRPr lang="zh-TW" altLang="en-US"/>
+            </a:p>
+          </p:txBody>
+        </p:sp>
+        <p:sp>
+          <p:nvSpPr>
+            <p:cNvPr id="9" name="L 圖案 8">
+              <a:extLst>
+                <a:ext uri="{FF2B5EF4-FFF2-40B4-BE49-F238E27FC236}">
+                  <a16:creationId xmlns:a16="http://schemas.microsoft.com/office/drawing/2014/main" id="{3B367EC6-F657-4B86-B1E7-B79A86D0A1B9}"/>
+                </a:ext>
+              </a:extLst>
+            </p:cNvPr>
+            <p:cNvSpPr/>
+            <p:nvPr/>
+          </p:nvSpPr>
+          <p:spPr>
+            <a:xfrm rot="16200000">
+              <a:off x="1806432" y="1786855"/>
+              <a:ext cx="469783" cy="461394"/>
+            </a:xfrm>
+            <a:prstGeom prst="corner">
+              <a:avLst>
+                <a:gd name="adj1" fmla="val 31818"/>
+                <a:gd name="adj2" fmla="val 35455"/>
+              </a:avLst>
+            </a:prstGeom>
+            <a:solidFill>
+              <a:schemeClr val="tx1">
+                <a:lumMod val="75000"/>
+                <a:lumOff val="25000"/>
+              </a:schemeClr>
+            </a:solidFill>
+          </p:spPr>
+          <p:style>
+            <a:lnRef idx="2">
+              <a:schemeClr val="accent1">
+                <a:shade val="50000"/>
+              </a:schemeClr>
+            </a:lnRef>
+            <a:fillRef idx="1">
+              <a:schemeClr val="accent1"/>
+            </a:fillRef>
+            <a:effectRef idx="0">
+              <a:schemeClr val="accent1"/>
+            </a:effectRef>
+            <a:fontRef idx="minor">
+              <a:schemeClr val="lt1"/>
+            </a:fontRef>
+          </p:style>
+          <p:txBody>
+            <a:bodyPr rtlCol="0" anchor="ctr"/>
+            <a:lstStyle/>
+            <a:p>
+              <a:pPr algn="ctr"/>
+              <a:endParaRPr lang="zh-TW" altLang="en-US"/>
+            </a:p>
+          </p:txBody>
+        </p:sp>
+        <p:sp>
+          <p:nvSpPr>
+            <p:cNvPr id="10" name="L 圖案 9">
+              <a:extLst>
+                <a:ext uri="{FF2B5EF4-FFF2-40B4-BE49-F238E27FC236}">
+                  <a16:creationId xmlns:a16="http://schemas.microsoft.com/office/drawing/2014/main" id="{150D8FE2-41D3-4DA3-9A69-62207A2E6930}"/>
+                </a:ext>
+              </a:extLst>
+            </p:cNvPr>
+            <p:cNvSpPr/>
+            <p:nvPr/>
+          </p:nvSpPr>
+          <p:spPr>
+            <a:xfrm rot="10800000">
+              <a:off x="1810626" y="1003883"/>
+              <a:ext cx="469783" cy="461394"/>
+            </a:xfrm>
+            <a:prstGeom prst="corner">
+              <a:avLst>
+                <a:gd name="adj1" fmla="val 31818"/>
+                <a:gd name="adj2" fmla="val 35455"/>
+              </a:avLst>
+            </a:prstGeom>
+            <a:solidFill>
+              <a:schemeClr val="tx1">
+                <a:lumMod val="75000"/>
+                <a:lumOff val="25000"/>
+              </a:schemeClr>
+            </a:solidFill>
+          </p:spPr>
+          <p:style>
+            <a:lnRef idx="2">
+              <a:schemeClr val="accent1">
+                <a:shade val="50000"/>
+              </a:schemeClr>
+            </a:lnRef>
+            <a:fillRef idx="1">
+              <a:schemeClr val="accent1"/>
+            </a:fillRef>
+            <a:effectRef idx="0">
+              <a:schemeClr val="accent1"/>
+            </a:effectRef>
+            <a:fontRef idx="minor">
+              <a:schemeClr val="lt1"/>
+            </a:fontRef>
+          </p:style>
+          <p:txBody>
+            <a:bodyPr rtlCol="0" anchor="ctr"/>
+            <a:lstStyle/>
+            <a:p>
+              <a:pPr algn="ctr"/>
+              <a:endParaRPr lang="zh-TW" altLang="en-US"/>
+            </a:p>
+          </p:txBody>
+        </p:sp>
+        <p:sp>
+          <p:nvSpPr>
+            <p:cNvPr id="11" name="文字方塊 10">
+              <a:extLst>
+                <a:ext uri="{FF2B5EF4-FFF2-40B4-BE49-F238E27FC236}">
+                  <a16:creationId xmlns:a16="http://schemas.microsoft.com/office/drawing/2014/main" id="{873318CA-4861-460F-AFED-BCA9A83EDB2A}"/>
+                </a:ext>
+              </a:extLst>
+            </p:cNvPr>
+            <p:cNvSpPr txBox="1"/>
+            <p:nvPr/>
+          </p:nvSpPr>
+          <p:spPr>
+            <a:xfrm>
+              <a:off x="1185786" y="1001186"/>
+              <a:ext cx="757523" cy="1222425"/>
+            </a:xfrm>
+            <a:prstGeom prst="rect">
+              <a:avLst/>
+            </a:prstGeom>
+            <a:noFill/>
+          </p:spPr>
+          <p:txBody>
+            <a:bodyPr wrap="square" rtlCol="0">
+              <a:spAutoFit/>
+            </a:bodyPr>
+            <a:lstStyle/>
+            <a:p>
+              <a:r>
+                <a:rPr lang="en-US" altLang="zh-TW" sz="8000" b="1" dirty="0">
+                  <a:solidFill>
+                    <a:schemeClr val="tx1">
+                      <a:lumMod val="75000"/>
+                      <a:lumOff val="25000"/>
+                    </a:schemeClr>
+                  </a:solidFill>
+                  <a:latin typeface="Berlin Sans FB Demi" panose="020E0802020502020306" pitchFamily="34" charset="0"/>
+                </a:rPr>
+                <a:t>T</a:t>
+              </a:r>
+              <a:endParaRPr lang="zh-TW" altLang="en-US" sz="8000" b="1" dirty="0">
+                <a:solidFill>
+                  <a:schemeClr val="tx1">
+                    <a:lumMod val="75000"/>
+                    <a:lumOff val="25000"/>
+                  </a:schemeClr>
+                </a:solidFill>
+                <a:latin typeface="Berlin Sans FB Demi" panose="020E0802020502020306" pitchFamily="34" charset="0"/>
+              </a:endParaRPr>
+            </a:p>
+          </p:txBody>
+        </p:sp>
+      </p:grpSp>
+      <p:sp>
+        <p:nvSpPr>
+          <p:cNvPr id="14" name="文字方塊 13">
+            <a:extLst>
+              <a:ext uri="{FF2B5EF4-FFF2-40B4-BE49-F238E27FC236}">
+                <a16:creationId xmlns:a16="http://schemas.microsoft.com/office/drawing/2014/main" id="{7543B2C1-7B31-4862-815C-A158C0CB0682}"/>
+              </a:ext>
+            </a:extLst>
+          </p:cNvPr>
+          <p:cNvSpPr txBox="1"/>
+          <p:nvPr/>
+        </p:nvSpPr>
+        <p:spPr>
+          <a:xfrm>
+            <a:off x="6307123" y="1300852"/>
+            <a:ext cx="1691779" cy="369332"/>
+          </a:xfrm>
+          <a:prstGeom prst="rect">
+            <a:avLst/>
+          </a:prstGeom>
+          <a:ln>
+            <a:noFill/>
+          </a:ln>
+        </p:spPr>
+        <p:style>
+          <a:lnRef idx="2">
+            <a:schemeClr val="dk1"/>
+          </a:lnRef>
+          <a:fillRef idx="1">
+            <a:schemeClr val="lt1"/>
+          </a:fillRef>
+          <a:effectRef idx="0">
+            <a:schemeClr val="dk1"/>
+          </a:effectRef>
+          <a:fontRef idx="minor">
+            <a:schemeClr val="dk1"/>
+          </a:fontRef>
+        </p:style>
+        <p:txBody>
+          <a:bodyPr wrap="square" rtlCol="0">
+            <a:spAutoFit/>
+          </a:bodyPr>
+          <a:lstStyle/>
+          <a:p>
+            <a:r>
+              <a:rPr lang="en-US" altLang="zh-TW" dirty="0"/>
+              <a:t>123121321321</a:t>
+            </a:r>
+            <a:endParaRPr lang="zh-TW" altLang="en-US" dirty="0"/>
+          </a:p>
+        </p:txBody>
+      </p:sp>
+      <p:sp>
+        <p:nvSpPr>
+          <p:cNvPr id="3" name="橢圓 2">
+            <a:extLst>
+              <a:ext uri="{FF2B5EF4-FFF2-40B4-BE49-F238E27FC236}">
+                <a16:creationId xmlns:a16="http://schemas.microsoft.com/office/drawing/2014/main" id="{CD7506D5-A4EA-420A-A0BC-C9B503779C2B}"/>
               </a:ext>
             </a:extLst>
           </p:cNvPr>
@@ -3957,21 +4307,21 @@
         </p:nvSpPr>
         <p:spPr>
           <a:xfrm>
-            <a:off x="852881" y="1870746"/>
-            <a:ext cx="469783" cy="461394"/>
+            <a:off x="3884103" y="3112316"/>
+            <a:ext cx="327170" cy="316684"/>
           </a:xfrm>
-          <a:prstGeom prst="corner">
-            <a:avLst>
-              <a:gd name="adj1" fmla="val 31818"/>
-              <a:gd name="adj2" fmla="val 35455"/>
-            </a:avLst>
+          <a:prstGeom prst="ellipse">
+            <a:avLst/>
           </a:prstGeom>
-          <a:solidFill>
-            <a:schemeClr val="tx1">
-              <a:lumMod val="75000"/>
-              <a:lumOff val="25000"/>
-            </a:schemeClr>
-          </a:solidFill>
+          <a:noFill/>
+          <a:ln w="76200">
+            <a:solidFill>
+              <a:schemeClr val="tx1">
+                <a:lumMod val="75000"/>
+                <a:lumOff val="25000"/>
+              </a:schemeClr>
+            </a:solidFill>
+          </a:ln>
         </p:spPr>
         <p:style>
           <a:lnRef idx="2">
@@ -3994,272 +4344,6 @@
           <a:lstStyle/>
           <a:p>
             <a:pPr algn="ctr"/>
-            <a:endParaRPr lang="zh-TW" altLang="en-US"/>
-          </a:p>
-        </p:txBody>
-      </p:sp>
-      <p:sp>
-        <p:nvSpPr>
-          <p:cNvPr id="8" name="L 圖案 7">
-            <a:extLst>
-              <a:ext uri="{FF2B5EF4-FFF2-40B4-BE49-F238E27FC236}">
-                <a16:creationId xmlns:a16="http://schemas.microsoft.com/office/drawing/2014/main" id="{A61444BE-C777-4558-9A13-E5F1D8EE8D35}"/>
-              </a:ext>
-            </a:extLst>
-          </p:cNvPr>
-          <p:cNvSpPr/>
-          <p:nvPr/>
-        </p:nvSpPr>
-        <p:spPr>
-          <a:xfrm rot="5400000">
-            <a:off x="852880" y="1008078"/>
-            <a:ext cx="469783" cy="461394"/>
-          </a:xfrm>
-          <a:prstGeom prst="corner">
-            <a:avLst>
-              <a:gd name="adj1" fmla="val 31818"/>
-              <a:gd name="adj2" fmla="val 35455"/>
-            </a:avLst>
-          </a:prstGeom>
-          <a:solidFill>
-            <a:schemeClr val="tx1">
-              <a:lumMod val="75000"/>
-              <a:lumOff val="25000"/>
-            </a:schemeClr>
-          </a:solidFill>
-        </p:spPr>
-        <p:style>
-          <a:lnRef idx="2">
-            <a:schemeClr val="accent1">
-              <a:shade val="50000"/>
-            </a:schemeClr>
-          </a:lnRef>
-          <a:fillRef idx="1">
-            <a:schemeClr val="accent1"/>
-          </a:fillRef>
-          <a:effectRef idx="0">
-            <a:schemeClr val="accent1"/>
-          </a:effectRef>
-          <a:fontRef idx="minor">
-            <a:schemeClr val="lt1"/>
-          </a:fontRef>
-        </p:style>
-        <p:txBody>
-          <a:bodyPr rtlCol="0" anchor="ctr"/>
-          <a:lstStyle/>
-          <a:p>
-            <a:pPr algn="ctr"/>
-            <a:endParaRPr lang="zh-TW" altLang="en-US"/>
-          </a:p>
-        </p:txBody>
-      </p:sp>
-      <p:sp>
-        <p:nvSpPr>
-          <p:cNvPr id="9" name="L 圖案 8">
-            <a:extLst>
-              <a:ext uri="{FF2B5EF4-FFF2-40B4-BE49-F238E27FC236}">
-                <a16:creationId xmlns:a16="http://schemas.microsoft.com/office/drawing/2014/main" id="{3B367EC6-F657-4B86-B1E7-B79A86D0A1B9}"/>
-              </a:ext>
-            </a:extLst>
-          </p:cNvPr>
-          <p:cNvSpPr/>
-          <p:nvPr/>
-        </p:nvSpPr>
-        <p:spPr>
-          <a:xfrm rot="16200000">
-            <a:off x="1810626" y="1870745"/>
-            <a:ext cx="469783" cy="461394"/>
-          </a:xfrm>
-          <a:prstGeom prst="corner">
-            <a:avLst>
-              <a:gd name="adj1" fmla="val 31818"/>
-              <a:gd name="adj2" fmla="val 35455"/>
-            </a:avLst>
-          </a:prstGeom>
-          <a:solidFill>
-            <a:schemeClr val="tx1">
-              <a:lumMod val="75000"/>
-              <a:lumOff val="25000"/>
-            </a:schemeClr>
-          </a:solidFill>
-        </p:spPr>
-        <p:style>
-          <a:lnRef idx="2">
-            <a:schemeClr val="accent1">
-              <a:shade val="50000"/>
-            </a:schemeClr>
-          </a:lnRef>
-          <a:fillRef idx="1">
-            <a:schemeClr val="accent1"/>
-          </a:fillRef>
-          <a:effectRef idx="0">
-            <a:schemeClr val="accent1"/>
-          </a:effectRef>
-          <a:fontRef idx="minor">
-            <a:schemeClr val="lt1"/>
-          </a:fontRef>
-        </p:style>
-        <p:txBody>
-          <a:bodyPr rtlCol="0" anchor="ctr"/>
-          <a:lstStyle/>
-          <a:p>
-            <a:pPr algn="ctr"/>
-            <a:endParaRPr lang="zh-TW" altLang="en-US"/>
-          </a:p>
-        </p:txBody>
-      </p:sp>
-      <p:sp>
-        <p:nvSpPr>
-          <p:cNvPr id="10" name="L 圖案 9">
-            <a:extLst>
-              <a:ext uri="{FF2B5EF4-FFF2-40B4-BE49-F238E27FC236}">
-                <a16:creationId xmlns:a16="http://schemas.microsoft.com/office/drawing/2014/main" id="{150D8FE2-41D3-4DA3-9A69-62207A2E6930}"/>
-              </a:ext>
-            </a:extLst>
-          </p:cNvPr>
-          <p:cNvSpPr/>
-          <p:nvPr/>
-        </p:nvSpPr>
-        <p:spPr>
-          <a:xfrm rot="10800000">
-            <a:off x="1810625" y="1003883"/>
-            <a:ext cx="469783" cy="461394"/>
-          </a:xfrm>
-          <a:prstGeom prst="corner">
-            <a:avLst>
-              <a:gd name="adj1" fmla="val 31818"/>
-              <a:gd name="adj2" fmla="val 35455"/>
-            </a:avLst>
-          </a:prstGeom>
-          <a:solidFill>
-            <a:schemeClr val="tx1">
-              <a:lumMod val="75000"/>
-              <a:lumOff val="25000"/>
-            </a:schemeClr>
-          </a:solidFill>
-        </p:spPr>
-        <p:style>
-          <a:lnRef idx="2">
-            <a:schemeClr val="accent1">
-              <a:shade val="50000"/>
-            </a:schemeClr>
-          </a:lnRef>
-          <a:fillRef idx="1">
-            <a:schemeClr val="accent1"/>
-          </a:fillRef>
-          <a:effectRef idx="0">
-            <a:schemeClr val="accent1"/>
-          </a:effectRef>
-          <a:fontRef idx="minor">
-            <a:schemeClr val="lt1"/>
-          </a:fontRef>
-        </p:style>
-        <p:txBody>
-          <a:bodyPr rtlCol="0" anchor="ctr"/>
-          <a:lstStyle/>
-          <a:p>
-            <a:pPr algn="ctr"/>
-            <a:endParaRPr lang="zh-TW" altLang="en-US"/>
-          </a:p>
-        </p:txBody>
-      </p:sp>
-      <p:sp>
-        <p:nvSpPr>
-          <p:cNvPr id="11" name="文字方塊 10">
-            <a:extLst>
-              <a:ext uri="{FF2B5EF4-FFF2-40B4-BE49-F238E27FC236}">
-                <a16:creationId xmlns:a16="http://schemas.microsoft.com/office/drawing/2014/main" id="{873318CA-4861-460F-AFED-BCA9A83EDB2A}"/>
-              </a:ext>
-            </a:extLst>
-          </p:cNvPr>
-          <p:cNvSpPr txBox="1"/>
-          <p:nvPr/>
-        </p:nvSpPr>
-        <p:spPr>
-          <a:xfrm>
-            <a:off x="1201307" y="1003883"/>
-            <a:ext cx="726481" cy="1323439"/>
-          </a:xfrm>
-          <a:prstGeom prst="rect">
-            <a:avLst/>
-          </a:prstGeom>
-          <a:noFill/>
-        </p:spPr>
-        <p:txBody>
-          <a:bodyPr wrap="none" rtlCol="0">
-            <a:spAutoFit/>
-          </a:bodyPr>
-          <a:lstStyle/>
-          <a:p>
-            <a:r>
-              <a:rPr lang="en-US" altLang="zh-TW" sz="8000" b="1" dirty="0">
-                <a:solidFill>
-                  <a:schemeClr val="tx1">
-                    <a:lumMod val="75000"/>
-                    <a:lumOff val="25000"/>
-                  </a:schemeClr>
-                </a:solidFill>
-                <a:latin typeface="Berlin Sans FB Demi" panose="020E0802020502020306" pitchFamily="34" charset="0"/>
-              </a:rPr>
-              <a:t>T</a:t>
-            </a:r>
-            <a:endParaRPr lang="zh-TW" altLang="en-US" sz="8000" b="1" dirty="0">
-              <a:solidFill>
-                <a:schemeClr val="tx1">
-                  <a:lumMod val="75000"/>
-                  <a:lumOff val="25000"/>
-                </a:schemeClr>
-              </a:solidFill>
-              <a:latin typeface="Berlin Sans FB Demi" panose="020E0802020502020306" pitchFamily="34" charset="0"/>
-            </a:endParaRPr>
-          </a:p>
-        </p:txBody>
-      </p:sp>
-      <p:sp>
-        <p:nvSpPr>
-          <p:cNvPr id="14" name="文字方塊 13">
-            <a:extLst>
-              <a:ext uri="{FF2B5EF4-FFF2-40B4-BE49-F238E27FC236}">
-                <a16:creationId xmlns:a16="http://schemas.microsoft.com/office/drawing/2014/main" id="{7543B2C1-7B31-4862-815C-A158C0CB0682}"/>
-              </a:ext>
-            </a:extLst>
-          </p:cNvPr>
-          <p:cNvSpPr txBox="1"/>
-          <p:nvPr/>
-        </p:nvSpPr>
-        <p:spPr>
-          <a:xfrm>
-            <a:off x="4404221" y="2617364"/>
-            <a:ext cx="1691779" cy="369332"/>
-          </a:xfrm>
-          <a:prstGeom prst="rect">
-            <a:avLst/>
-          </a:prstGeom>
-        </p:spPr>
-        <p:style>
-          <a:lnRef idx="2">
-            <a:schemeClr val="dk1"/>
-          </a:lnRef>
-          <a:fillRef idx="1">
-            <a:schemeClr val="lt1"/>
-          </a:fillRef>
-          <a:effectRef idx="0">
-            <a:schemeClr val="dk1"/>
-          </a:effectRef>
-          <a:fontRef idx="minor">
-            <a:schemeClr val="dk1"/>
-          </a:fontRef>
-        </p:style>
-        <p:txBody>
-          <a:bodyPr wrap="square" rtlCol="0">
-            <a:spAutoFit/>
-          </a:bodyPr>
-          <a:lstStyle/>
-          <a:p>
-            <a:r>
-              <a:rPr lang="en-US" altLang="zh-TW" dirty="0"/>
-              <a:t>123121321321</a:t>
-            </a:r>
             <a:endParaRPr lang="zh-TW" altLang="en-US" dirty="0"/>
           </a:p>
         </p:txBody>

--- a/assets/image/image_ppt.pptx
+++ b/assets/image/image_ppt.pptx
@@ -260,7 +260,7 @@
           <a:p>
             <a:fld id="{1596886C-853B-4848-B8EE-238BE0979A82}" type="datetimeFigureOut">
               <a:rPr lang="zh-TW" altLang="en-US" smtClean="0"/>
-              <a:t>2020/12/20</a:t>
+              <a:t>2021/2/4</a:t>
             </a:fld>
             <a:endParaRPr lang="zh-TW" altLang="en-US"/>
           </a:p>
@@ -458,7 +458,7 @@
           <a:p>
             <a:fld id="{1596886C-853B-4848-B8EE-238BE0979A82}" type="datetimeFigureOut">
               <a:rPr lang="zh-TW" altLang="en-US" smtClean="0"/>
-              <a:t>2020/12/20</a:t>
+              <a:t>2021/2/4</a:t>
             </a:fld>
             <a:endParaRPr lang="zh-TW" altLang="en-US"/>
           </a:p>
@@ -666,7 +666,7 @@
           <a:p>
             <a:fld id="{1596886C-853B-4848-B8EE-238BE0979A82}" type="datetimeFigureOut">
               <a:rPr lang="zh-TW" altLang="en-US" smtClean="0"/>
-              <a:t>2020/12/20</a:t>
+              <a:t>2021/2/4</a:t>
             </a:fld>
             <a:endParaRPr lang="zh-TW" altLang="en-US"/>
           </a:p>
@@ -864,7 +864,7 @@
           <a:p>
             <a:fld id="{1596886C-853B-4848-B8EE-238BE0979A82}" type="datetimeFigureOut">
               <a:rPr lang="zh-TW" altLang="en-US" smtClean="0"/>
-              <a:t>2020/12/20</a:t>
+              <a:t>2021/2/4</a:t>
             </a:fld>
             <a:endParaRPr lang="zh-TW" altLang="en-US"/>
           </a:p>
@@ -1139,7 +1139,7 @@
           <a:p>
             <a:fld id="{1596886C-853B-4848-B8EE-238BE0979A82}" type="datetimeFigureOut">
               <a:rPr lang="zh-TW" altLang="en-US" smtClean="0"/>
-              <a:t>2020/12/20</a:t>
+              <a:t>2021/2/4</a:t>
             </a:fld>
             <a:endParaRPr lang="zh-TW" altLang="en-US"/>
           </a:p>
@@ -1404,7 +1404,7 @@
           <a:p>
             <a:fld id="{1596886C-853B-4848-B8EE-238BE0979A82}" type="datetimeFigureOut">
               <a:rPr lang="zh-TW" altLang="en-US" smtClean="0"/>
-              <a:t>2020/12/20</a:t>
+              <a:t>2021/2/4</a:t>
             </a:fld>
             <a:endParaRPr lang="zh-TW" altLang="en-US"/>
           </a:p>
@@ -1816,7 +1816,7 @@
           <a:p>
             <a:fld id="{1596886C-853B-4848-B8EE-238BE0979A82}" type="datetimeFigureOut">
               <a:rPr lang="zh-TW" altLang="en-US" smtClean="0"/>
-              <a:t>2020/12/20</a:t>
+              <a:t>2021/2/4</a:t>
             </a:fld>
             <a:endParaRPr lang="zh-TW" altLang="en-US"/>
           </a:p>
@@ -1957,7 +1957,7 @@
           <a:p>
             <a:fld id="{1596886C-853B-4848-B8EE-238BE0979A82}" type="datetimeFigureOut">
               <a:rPr lang="zh-TW" altLang="en-US" smtClean="0"/>
-              <a:t>2020/12/20</a:t>
+              <a:t>2021/2/4</a:t>
             </a:fld>
             <a:endParaRPr lang="zh-TW" altLang="en-US"/>
           </a:p>
@@ -2070,7 +2070,7 @@
           <a:p>
             <a:fld id="{1596886C-853B-4848-B8EE-238BE0979A82}" type="datetimeFigureOut">
               <a:rPr lang="zh-TW" altLang="en-US" smtClean="0"/>
-              <a:t>2020/12/20</a:t>
+              <a:t>2021/2/4</a:t>
             </a:fld>
             <a:endParaRPr lang="zh-TW" altLang="en-US"/>
           </a:p>
@@ -2381,7 +2381,7 @@
           <a:p>
             <a:fld id="{1596886C-853B-4848-B8EE-238BE0979A82}" type="datetimeFigureOut">
               <a:rPr lang="zh-TW" altLang="en-US" smtClean="0"/>
-              <a:t>2020/12/20</a:t>
+              <a:t>2021/2/4</a:t>
             </a:fld>
             <a:endParaRPr lang="zh-TW" altLang="en-US"/>
           </a:p>
@@ -2669,7 +2669,7 @@
           <a:p>
             <a:fld id="{1596886C-853B-4848-B8EE-238BE0979A82}" type="datetimeFigureOut">
               <a:rPr lang="zh-TW" altLang="en-US" smtClean="0"/>
-              <a:t>2020/12/20</a:t>
+              <a:t>2021/2/4</a:t>
             </a:fld>
             <a:endParaRPr lang="zh-TW" altLang="en-US"/>
           </a:p>
@@ -2910,7 +2910,7 @@
           <a:p>
             <a:fld id="{1596886C-853B-4848-B8EE-238BE0979A82}" type="datetimeFigureOut">
               <a:rPr lang="zh-TW" altLang="en-US" smtClean="0"/>
-              <a:t>2020/12/20</a:t>
+              <a:t>2021/2/4</a:t>
             </a:fld>
             <a:endParaRPr lang="zh-TW" altLang="en-US"/>
           </a:p>
@@ -4243,58 +4243,6 @@
       </p:grpSp>
       <p:sp>
         <p:nvSpPr>
-          <p:cNvPr id="14" name="文字方塊 13">
-            <a:extLst>
-              <a:ext uri="{FF2B5EF4-FFF2-40B4-BE49-F238E27FC236}">
-                <a16:creationId xmlns:a16="http://schemas.microsoft.com/office/drawing/2014/main" id="{7543B2C1-7B31-4862-815C-A158C0CB0682}"/>
-              </a:ext>
-            </a:extLst>
-          </p:cNvPr>
-          <p:cNvSpPr txBox="1"/>
-          <p:nvPr/>
-        </p:nvSpPr>
-        <p:spPr>
-          <a:xfrm>
-            <a:off x="6307123" y="1300852"/>
-            <a:ext cx="1691779" cy="369332"/>
-          </a:xfrm>
-          <a:prstGeom prst="rect">
-            <a:avLst/>
-          </a:prstGeom>
-          <a:ln>
-            <a:noFill/>
-          </a:ln>
-        </p:spPr>
-        <p:style>
-          <a:lnRef idx="2">
-            <a:schemeClr val="dk1"/>
-          </a:lnRef>
-          <a:fillRef idx="1">
-            <a:schemeClr val="lt1"/>
-          </a:fillRef>
-          <a:effectRef idx="0">
-            <a:schemeClr val="dk1"/>
-          </a:effectRef>
-          <a:fontRef idx="minor">
-            <a:schemeClr val="dk1"/>
-          </a:fontRef>
-        </p:style>
-        <p:txBody>
-          <a:bodyPr wrap="square" rtlCol="0">
-            <a:spAutoFit/>
-          </a:bodyPr>
-          <a:lstStyle/>
-          <a:p>
-            <a:r>
-              <a:rPr lang="en-US" altLang="zh-TW" dirty="0"/>
-              <a:t>123121321321</a:t>
-            </a:r>
-            <a:endParaRPr lang="zh-TW" altLang="en-US" dirty="0"/>
-          </a:p>
-        </p:txBody>
-      </p:sp>
-      <p:sp>
-        <p:nvSpPr>
           <p:cNvPr id="3" name="橢圓 2">
             <a:extLst>
               <a:ext uri="{FF2B5EF4-FFF2-40B4-BE49-F238E27FC236}">
@@ -4348,6 +4296,1454 @@
           </a:p>
         </p:txBody>
       </p:sp>
+      <p:grpSp>
+        <p:nvGrpSpPr>
+          <p:cNvPr id="18" name="群組 17">
+            <a:extLst>
+              <a:ext uri="{FF2B5EF4-FFF2-40B4-BE49-F238E27FC236}">
+                <a16:creationId xmlns:a16="http://schemas.microsoft.com/office/drawing/2014/main" id="{D2AE3E83-7841-44A5-9317-4C4ECDE7EF3F}"/>
+              </a:ext>
+            </a:extLst>
+          </p:cNvPr>
+          <p:cNvGrpSpPr/>
+          <p:nvPr/>
+        </p:nvGrpSpPr>
+        <p:grpSpPr>
+          <a:xfrm>
+            <a:off x="7290026" y="1126466"/>
+            <a:ext cx="1080000" cy="1080000"/>
+            <a:chOff x="5708426" y="1343078"/>
+            <a:chExt cx="1119937" cy="1007873"/>
+          </a:xfrm>
+        </p:grpSpPr>
+        <p:sp>
+          <p:nvSpPr>
+            <p:cNvPr id="20" name="矩形: 圓角 19">
+              <a:extLst>
+                <a:ext uri="{FF2B5EF4-FFF2-40B4-BE49-F238E27FC236}">
+                  <a16:creationId xmlns:a16="http://schemas.microsoft.com/office/drawing/2014/main" id="{A7AD659E-9E73-477F-B7EB-12F9F6DA5780}"/>
+                </a:ext>
+              </a:extLst>
+            </p:cNvPr>
+            <p:cNvSpPr/>
+            <p:nvPr/>
+          </p:nvSpPr>
+          <p:spPr>
+            <a:xfrm>
+              <a:off x="5708426" y="1343078"/>
+              <a:ext cx="547943" cy="499522"/>
+            </a:xfrm>
+            <a:prstGeom prst="roundRect">
+              <a:avLst/>
+            </a:prstGeom>
+            <a:solidFill>
+              <a:schemeClr val="accent1">
+                <a:lumMod val="40000"/>
+                <a:lumOff val="60000"/>
+              </a:schemeClr>
+            </a:solidFill>
+            <a:ln>
+              <a:solidFill>
+                <a:schemeClr val="accent1">
+                  <a:lumMod val="75000"/>
+                </a:schemeClr>
+              </a:solidFill>
+            </a:ln>
+          </p:spPr>
+          <p:style>
+            <a:lnRef idx="2">
+              <a:schemeClr val="accent1">
+                <a:shade val="50000"/>
+              </a:schemeClr>
+            </a:lnRef>
+            <a:fillRef idx="1">
+              <a:schemeClr val="accent1"/>
+            </a:fillRef>
+            <a:effectRef idx="0">
+              <a:schemeClr val="accent1"/>
+            </a:effectRef>
+            <a:fontRef idx="minor">
+              <a:schemeClr val="lt1"/>
+            </a:fontRef>
+          </p:style>
+          <p:txBody>
+            <a:bodyPr rtlCol="0" anchor="ctr"/>
+            <a:lstStyle/>
+            <a:p>
+              <a:pPr algn="ctr"/>
+              <a:endParaRPr lang="zh-TW" altLang="en-US"/>
+            </a:p>
+          </p:txBody>
+        </p:sp>
+        <p:sp>
+          <p:nvSpPr>
+            <p:cNvPr id="21" name="矩形: 圓角 20">
+              <a:extLst>
+                <a:ext uri="{FF2B5EF4-FFF2-40B4-BE49-F238E27FC236}">
+                  <a16:creationId xmlns:a16="http://schemas.microsoft.com/office/drawing/2014/main" id="{454AD849-0C6F-4178-AC12-8E6CC3E3FC4B}"/>
+                </a:ext>
+              </a:extLst>
+            </p:cNvPr>
+            <p:cNvSpPr/>
+            <p:nvPr/>
+          </p:nvSpPr>
+          <p:spPr>
+            <a:xfrm>
+              <a:off x="6280420" y="1851429"/>
+              <a:ext cx="547943" cy="499522"/>
+            </a:xfrm>
+            <a:prstGeom prst="roundRect">
+              <a:avLst/>
+            </a:prstGeom>
+            <a:solidFill>
+              <a:schemeClr val="accent1">
+                <a:lumMod val="40000"/>
+                <a:lumOff val="60000"/>
+              </a:schemeClr>
+            </a:solidFill>
+            <a:ln>
+              <a:solidFill>
+                <a:schemeClr val="accent1">
+                  <a:lumMod val="75000"/>
+                </a:schemeClr>
+              </a:solidFill>
+            </a:ln>
+          </p:spPr>
+          <p:style>
+            <a:lnRef idx="2">
+              <a:schemeClr val="accent1">
+                <a:shade val="50000"/>
+              </a:schemeClr>
+            </a:lnRef>
+            <a:fillRef idx="1">
+              <a:schemeClr val="accent1"/>
+            </a:fillRef>
+            <a:effectRef idx="0">
+              <a:schemeClr val="accent1"/>
+            </a:effectRef>
+            <a:fontRef idx="minor">
+              <a:schemeClr val="lt1"/>
+            </a:fontRef>
+          </p:style>
+          <p:txBody>
+            <a:bodyPr rtlCol="0" anchor="ctr"/>
+            <a:lstStyle/>
+            <a:p>
+              <a:pPr algn="ctr"/>
+              <a:endParaRPr lang="zh-TW" altLang="en-US"/>
+            </a:p>
+          </p:txBody>
+        </p:sp>
+        <p:sp>
+          <p:nvSpPr>
+            <p:cNvPr id="19" name="矩形: 圓角 18">
+              <a:extLst>
+                <a:ext uri="{FF2B5EF4-FFF2-40B4-BE49-F238E27FC236}">
+                  <a16:creationId xmlns:a16="http://schemas.microsoft.com/office/drawing/2014/main" id="{38A4A04C-FB8B-4B92-9C2F-B4C7EDE6C4B6}"/>
+                </a:ext>
+              </a:extLst>
+            </p:cNvPr>
+            <p:cNvSpPr/>
+            <p:nvPr/>
+          </p:nvSpPr>
+          <p:spPr>
+            <a:xfrm>
+              <a:off x="5904455" y="1469239"/>
+              <a:ext cx="757523" cy="712286"/>
+            </a:xfrm>
+            <a:prstGeom prst="roundRect">
+              <a:avLst/>
+            </a:prstGeom>
+            <a:solidFill>
+              <a:schemeClr val="accent1">
+                <a:lumMod val="75000"/>
+              </a:schemeClr>
+            </a:solidFill>
+            <a:ln>
+              <a:solidFill>
+                <a:schemeClr val="tx2">
+                  <a:lumMod val="75000"/>
+                </a:schemeClr>
+              </a:solidFill>
+            </a:ln>
+          </p:spPr>
+          <p:style>
+            <a:lnRef idx="2">
+              <a:schemeClr val="accent1">
+                <a:shade val="50000"/>
+              </a:schemeClr>
+            </a:lnRef>
+            <a:fillRef idx="1">
+              <a:schemeClr val="accent1"/>
+            </a:fillRef>
+            <a:effectRef idx="0">
+              <a:schemeClr val="accent1"/>
+            </a:effectRef>
+            <a:fontRef idx="minor">
+              <a:schemeClr val="lt1"/>
+            </a:fontRef>
+          </p:style>
+          <p:txBody>
+            <a:bodyPr rtlCol="0" anchor="ctr"/>
+            <a:lstStyle/>
+            <a:p>
+              <a:pPr algn="ctr"/>
+              <a:endParaRPr lang="zh-TW" altLang="en-US"/>
+            </a:p>
+          </p:txBody>
+        </p:sp>
+      </p:grpSp>
+      <p:grpSp>
+        <p:nvGrpSpPr>
+          <p:cNvPr id="22" name="群組 21">
+            <a:extLst>
+              <a:ext uri="{FF2B5EF4-FFF2-40B4-BE49-F238E27FC236}">
+                <a16:creationId xmlns:a16="http://schemas.microsoft.com/office/drawing/2014/main" id="{39B4E154-BDA1-434A-86DC-82B2000D1794}"/>
+              </a:ext>
+            </a:extLst>
+          </p:cNvPr>
+          <p:cNvGrpSpPr/>
+          <p:nvPr/>
+        </p:nvGrpSpPr>
+        <p:grpSpPr>
+          <a:xfrm>
+            <a:off x="5636007" y="2671783"/>
+            <a:ext cx="1080000" cy="1080000"/>
+            <a:chOff x="5708426" y="1343078"/>
+            <a:chExt cx="953552" cy="838447"/>
+          </a:xfrm>
+        </p:grpSpPr>
+        <p:sp>
+          <p:nvSpPr>
+            <p:cNvPr id="23" name="矩形: 圓角 22">
+              <a:extLst>
+                <a:ext uri="{FF2B5EF4-FFF2-40B4-BE49-F238E27FC236}">
+                  <a16:creationId xmlns:a16="http://schemas.microsoft.com/office/drawing/2014/main" id="{00880BDA-D5CF-4A2B-8970-A382CA4E9AA3}"/>
+                </a:ext>
+              </a:extLst>
+            </p:cNvPr>
+            <p:cNvSpPr/>
+            <p:nvPr/>
+          </p:nvSpPr>
+          <p:spPr>
+            <a:xfrm>
+              <a:off x="5904455" y="1469239"/>
+              <a:ext cx="757523" cy="712286"/>
+            </a:xfrm>
+            <a:prstGeom prst="roundRect">
+              <a:avLst/>
+            </a:prstGeom>
+            <a:solidFill>
+              <a:schemeClr val="accent1">
+                <a:lumMod val="75000"/>
+              </a:schemeClr>
+            </a:solidFill>
+            <a:ln>
+              <a:solidFill>
+                <a:schemeClr val="tx2">
+                  <a:lumMod val="75000"/>
+                </a:schemeClr>
+              </a:solidFill>
+            </a:ln>
+          </p:spPr>
+          <p:style>
+            <a:lnRef idx="2">
+              <a:schemeClr val="accent1">
+                <a:shade val="50000"/>
+              </a:schemeClr>
+            </a:lnRef>
+            <a:fillRef idx="1">
+              <a:schemeClr val="accent1"/>
+            </a:fillRef>
+            <a:effectRef idx="0">
+              <a:schemeClr val="accent1"/>
+            </a:effectRef>
+            <a:fontRef idx="minor">
+              <a:schemeClr val="lt1"/>
+            </a:fontRef>
+          </p:style>
+          <p:txBody>
+            <a:bodyPr rtlCol="0" anchor="ctr"/>
+            <a:lstStyle/>
+            <a:p>
+              <a:pPr algn="ctr"/>
+              <a:endParaRPr lang="zh-TW" altLang="en-US"/>
+            </a:p>
+          </p:txBody>
+        </p:sp>
+        <p:sp>
+          <p:nvSpPr>
+            <p:cNvPr id="24" name="矩形: 圓角 23">
+              <a:extLst>
+                <a:ext uri="{FF2B5EF4-FFF2-40B4-BE49-F238E27FC236}">
+                  <a16:creationId xmlns:a16="http://schemas.microsoft.com/office/drawing/2014/main" id="{03CD207E-AD35-485C-A175-542F343B2724}"/>
+                </a:ext>
+              </a:extLst>
+            </p:cNvPr>
+            <p:cNvSpPr/>
+            <p:nvPr/>
+          </p:nvSpPr>
+          <p:spPr>
+            <a:xfrm>
+              <a:off x="5708426" y="1343078"/>
+              <a:ext cx="547943" cy="499522"/>
+            </a:xfrm>
+            <a:prstGeom prst="roundRect">
+              <a:avLst/>
+            </a:prstGeom>
+            <a:solidFill>
+              <a:schemeClr val="accent1">
+                <a:lumMod val="40000"/>
+                <a:lumOff val="60000"/>
+              </a:schemeClr>
+            </a:solidFill>
+            <a:ln>
+              <a:solidFill>
+                <a:schemeClr val="accent1">
+                  <a:lumMod val="75000"/>
+                </a:schemeClr>
+              </a:solidFill>
+            </a:ln>
+          </p:spPr>
+          <p:style>
+            <a:lnRef idx="2">
+              <a:schemeClr val="accent1">
+                <a:shade val="50000"/>
+              </a:schemeClr>
+            </a:lnRef>
+            <a:fillRef idx="1">
+              <a:schemeClr val="accent1"/>
+            </a:fillRef>
+            <a:effectRef idx="0">
+              <a:schemeClr val="accent1"/>
+            </a:effectRef>
+            <a:fontRef idx="minor">
+              <a:schemeClr val="lt1"/>
+            </a:fontRef>
+          </p:style>
+          <p:txBody>
+            <a:bodyPr rtlCol="0" anchor="ctr"/>
+            <a:lstStyle/>
+            <a:p>
+              <a:pPr algn="ctr"/>
+              <a:endParaRPr lang="zh-TW" altLang="en-US"/>
+            </a:p>
+          </p:txBody>
+        </p:sp>
+      </p:grpSp>
+      <p:grpSp>
+        <p:nvGrpSpPr>
+          <p:cNvPr id="26" name="群組 25">
+            <a:extLst>
+              <a:ext uri="{FF2B5EF4-FFF2-40B4-BE49-F238E27FC236}">
+                <a16:creationId xmlns:a16="http://schemas.microsoft.com/office/drawing/2014/main" id="{F6176878-F45D-45AF-8E58-4B4EB44B4B92}"/>
+              </a:ext>
+            </a:extLst>
+          </p:cNvPr>
+          <p:cNvGrpSpPr/>
+          <p:nvPr/>
+        </p:nvGrpSpPr>
+        <p:grpSpPr>
+          <a:xfrm>
+            <a:off x="7456411" y="2693091"/>
+            <a:ext cx="1080000" cy="1080000"/>
+            <a:chOff x="5708426" y="1343078"/>
+            <a:chExt cx="953552" cy="838447"/>
+          </a:xfrm>
+        </p:grpSpPr>
+        <p:sp>
+          <p:nvSpPr>
+            <p:cNvPr id="28" name="矩形: 圓角 27">
+              <a:extLst>
+                <a:ext uri="{FF2B5EF4-FFF2-40B4-BE49-F238E27FC236}">
+                  <a16:creationId xmlns:a16="http://schemas.microsoft.com/office/drawing/2014/main" id="{FBCF9C39-AD1B-461B-8F96-DCC887DAE38A}"/>
+                </a:ext>
+              </a:extLst>
+            </p:cNvPr>
+            <p:cNvSpPr/>
+            <p:nvPr/>
+          </p:nvSpPr>
+          <p:spPr>
+            <a:xfrm>
+              <a:off x="5708426" y="1343078"/>
+              <a:ext cx="547943" cy="499522"/>
+            </a:xfrm>
+            <a:prstGeom prst="roundRect">
+              <a:avLst/>
+            </a:prstGeom>
+            <a:solidFill>
+              <a:schemeClr val="accent1">
+                <a:lumMod val="40000"/>
+                <a:lumOff val="60000"/>
+              </a:schemeClr>
+            </a:solidFill>
+            <a:ln>
+              <a:solidFill>
+                <a:schemeClr val="accent1">
+                  <a:lumMod val="75000"/>
+                </a:schemeClr>
+              </a:solidFill>
+            </a:ln>
+          </p:spPr>
+          <p:style>
+            <a:lnRef idx="2">
+              <a:schemeClr val="accent1">
+                <a:shade val="50000"/>
+              </a:schemeClr>
+            </a:lnRef>
+            <a:fillRef idx="1">
+              <a:schemeClr val="accent1"/>
+            </a:fillRef>
+            <a:effectRef idx="0">
+              <a:schemeClr val="accent1"/>
+            </a:effectRef>
+            <a:fontRef idx="minor">
+              <a:schemeClr val="lt1"/>
+            </a:fontRef>
+          </p:style>
+          <p:txBody>
+            <a:bodyPr rtlCol="0" anchor="ctr"/>
+            <a:lstStyle/>
+            <a:p>
+              <a:pPr algn="ctr"/>
+              <a:endParaRPr lang="zh-TW" altLang="en-US"/>
+            </a:p>
+          </p:txBody>
+        </p:sp>
+        <p:sp>
+          <p:nvSpPr>
+            <p:cNvPr id="27" name="矩形: 圓角 26">
+              <a:extLst>
+                <a:ext uri="{FF2B5EF4-FFF2-40B4-BE49-F238E27FC236}">
+                  <a16:creationId xmlns:a16="http://schemas.microsoft.com/office/drawing/2014/main" id="{D7D8C8CE-EFD7-4B67-90CD-D841F8C2821D}"/>
+                </a:ext>
+              </a:extLst>
+            </p:cNvPr>
+            <p:cNvSpPr/>
+            <p:nvPr/>
+          </p:nvSpPr>
+          <p:spPr>
+            <a:xfrm>
+              <a:off x="5904455" y="1469239"/>
+              <a:ext cx="757523" cy="712286"/>
+            </a:xfrm>
+            <a:prstGeom prst="roundRect">
+              <a:avLst/>
+            </a:prstGeom>
+            <a:solidFill>
+              <a:schemeClr val="accent1">
+                <a:lumMod val="75000"/>
+              </a:schemeClr>
+            </a:solidFill>
+            <a:ln>
+              <a:solidFill>
+                <a:schemeClr val="tx2">
+                  <a:lumMod val="75000"/>
+                </a:schemeClr>
+              </a:solidFill>
+            </a:ln>
+          </p:spPr>
+          <p:style>
+            <a:lnRef idx="2">
+              <a:schemeClr val="accent1">
+                <a:shade val="50000"/>
+              </a:schemeClr>
+            </a:lnRef>
+            <a:fillRef idx="1">
+              <a:schemeClr val="accent1"/>
+            </a:fillRef>
+            <a:effectRef idx="0">
+              <a:schemeClr val="accent1"/>
+            </a:effectRef>
+            <a:fontRef idx="minor">
+              <a:schemeClr val="lt1"/>
+            </a:fontRef>
+          </p:style>
+          <p:txBody>
+            <a:bodyPr rtlCol="0" anchor="ctr"/>
+            <a:lstStyle/>
+            <a:p>
+              <a:pPr algn="ctr"/>
+              <a:endParaRPr lang="zh-TW" altLang="en-US"/>
+            </a:p>
+          </p:txBody>
+        </p:sp>
+      </p:grpSp>
+      <p:grpSp>
+        <p:nvGrpSpPr>
+          <p:cNvPr id="16" name="群組 15">
+            <a:extLst>
+              <a:ext uri="{FF2B5EF4-FFF2-40B4-BE49-F238E27FC236}">
+                <a16:creationId xmlns:a16="http://schemas.microsoft.com/office/drawing/2014/main" id="{DC7F997F-41B0-44E4-BD34-5E457B6A6788}"/>
+              </a:ext>
+            </a:extLst>
+          </p:cNvPr>
+          <p:cNvGrpSpPr/>
+          <p:nvPr/>
+        </p:nvGrpSpPr>
+        <p:grpSpPr>
+          <a:xfrm>
+            <a:off x="4881516" y="734256"/>
+            <a:ext cx="813600" cy="1054800"/>
+            <a:chOff x="4881516" y="734256"/>
+            <a:chExt cx="813600" cy="1054800"/>
+          </a:xfrm>
+        </p:grpSpPr>
+        <p:grpSp>
+          <p:nvGrpSpPr>
+            <p:cNvPr id="6" name="群組 5">
+              <a:extLst>
+                <a:ext uri="{FF2B5EF4-FFF2-40B4-BE49-F238E27FC236}">
+                  <a16:creationId xmlns:a16="http://schemas.microsoft.com/office/drawing/2014/main" id="{FD918EA3-0C4A-4689-932E-ED3937A9E12E}"/>
+                </a:ext>
+              </a:extLst>
+            </p:cNvPr>
+            <p:cNvGrpSpPr/>
+            <p:nvPr/>
+          </p:nvGrpSpPr>
+          <p:grpSpPr>
+            <a:xfrm>
+              <a:off x="5007605" y="894125"/>
+              <a:ext cx="480336" cy="522233"/>
+              <a:chOff x="5740036" y="1365645"/>
+              <a:chExt cx="661193" cy="499000"/>
+            </a:xfrm>
+          </p:grpSpPr>
+          <p:sp>
+            <p:nvSpPr>
+              <p:cNvPr id="12" name="矩形: 圓角 11">
+                <a:extLst>
+                  <a:ext uri="{FF2B5EF4-FFF2-40B4-BE49-F238E27FC236}">
+                    <a16:creationId xmlns:a16="http://schemas.microsoft.com/office/drawing/2014/main" id="{625BE28E-D23F-42B2-B6EA-D892F742244B}"/>
+                  </a:ext>
+                </a:extLst>
+              </p:cNvPr>
+              <p:cNvSpPr/>
+              <p:nvPr/>
+            </p:nvSpPr>
+            <p:spPr>
+              <a:xfrm>
+                <a:off x="5904455" y="1469239"/>
+                <a:ext cx="496774" cy="395406"/>
+              </a:xfrm>
+              <a:prstGeom prst="roundRect">
+                <a:avLst/>
+              </a:prstGeom>
+              <a:solidFill>
+                <a:schemeClr val="accent1">
+                  <a:lumMod val="75000"/>
+                </a:schemeClr>
+              </a:solidFill>
+              <a:ln>
+                <a:solidFill>
+                  <a:schemeClr val="tx2">
+                    <a:lumMod val="75000"/>
+                  </a:schemeClr>
+                </a:solidFill>
+              </a:ln>
+            </p:spPr>
+            <p:style>
+              <a:lnRef idx="2">
+                <a:schemeClr val="accent1">
+                  <a:shade val="50000"/>
+                </a:schemeClr>
+              </a:lnRef>
+              <a:fillRef idx="1">
+                <a:schemeClr val="accent1"/>
+              </a:fillRef>
+              <a:effectRef idx="0">
+                <a:schemeClr val="accent1"/>
+              </a:effectRef>
+              <a:fontRef idx="minor">
+                <a:schemeClr val="lt1"/>
+              </a:fontRef>
+            </p:style>
+            <p:txBody>
+              <a:bodyPr rtlCol="0" anchor="ctr"/>
+              <a:lstStyle/>
+              <a:p>
+                <a:pPr algn="ctr"/>
+                <a:endParaRPr lang="zh-TW" altLang="en-US"/>
+              </a:p>
+            </p:txBody>
+          </p:sp>
+          <p:sp>
+            <p:nvSpPr>
+              <p:cNvPr id="5" name="矩形: 圓角 4">
+                <a:extLst>
+                  <a:ext uri="{FF2B5EF4-FFF2-40B4-BE49-F238E27FC236}">
+                    <a16:creationId xmlns:a16="http://schemas.microsoft.com/office/drawing/2014/main" id="{6CC170F7-ED7B-4F5A-8768-E2324605FD8F}"/>
+                  </a:ext>
+                </a:extLst>
+              </p:cNvPr>
+              <p:cNvSpPr/>
+              <p:nvPr/>
+            </p:nvSpPr>
+            <p:spPr>
+              <a:xfrm>
+                <a:off x="5740036" y="1365645"/>
+                <a:ext cx="386405" cy="280409"/>
+              </a:xfrm>
+              <a:prstGeom prst="roundRect">
+                <a:avLst/>
+              </a:prstGeom>
+              <a:solidFill>
+                <a:schemeClr val="accent1">
+                  <a:lumMod val="40000"/>
+                  <a:lumOff val="60000"/>
+                </a:schemeClr>
+              </a:solidFill>
+              <a:ln>
+                <a:solidFill>
+                  <a:schemeClr val="accent1">
+                    <a:lumMod val="75000"/>
+                  </a:schemeClr>
+                </a:solidFill>
+              </a:ln>
+            </p:spPr>
+            <p:style>
+              <a:lnRef idx="2">
+                <a:schemeClr val="accent1">
+                  <a:shade val="50000"/>
+                </a:schemeClr>
+              </a:lnRef>
+              <a:fillRef idx="1">
+                <a:schemeClr val="accent1"/>
+              </a:fillRef>
+              <a:effectRef idx="0">
+                <a:schemeClr val="accent1"/>
+              </a:effectRef>
+              <a:fontRef idx="minor">
+                <a:schemeClr val="lt1"/>
+              </a:fontRef>
+            </p:style>
+            <p:txBody>
+              <a:bodyPr rtlCol="0" anchor="ctr"/>
+              <a:lstStyle/>
+              <a:p>
+                <a:pPr algn="ctr"/>
+                <a:endParaRPr lang="zh-TW" altLang="en-US"/>
+              </a:p>
+            </p:txBody>
+          </p:sp>
+        </p:grpSp>
+        <p:sp>
+          <p:nvSpPr>
+            <p:cNvPr id="13" name="矩形 12">
+              <a:extLst>
+                <a:ext uri="{FF2B5EF4-FFF2-40B4-BE49-F238E27FC236}">
+                  <a16:creationId xmlns:a16="http://schemas.microsoft.com/office/drawing/2014/main" id="{4849C714-F574-4B44-BA5B-FAB73B78347C}"/>
+                </a:ext>
+              </a:extLst>
+            </p:cNvPr>
+            <p:cNvSpPr/>
+            <p:nvPr/>
+          </p:nvSpPr>
+          <p:spPr>
+            <a:xfrm>
+              <a:off x="4881516" y="734256"/>
+              <a:ext cx="813600" cy="1054800"/>
+            </a:xfrm>
+            <a:prstGeom prst="rect">
+              <a:avLst/>
+            </a:prstGeom>
+            <a:noFill/>
+            <a:ln>
+              <a:noFill/>
+            </a:ln>
+          </p:spPr>
+          <p:style>
+            <a:lnRef idx="2">
+              <a:schemeClr val="accent1">
+                <a:shade val="50000"/>
+              </a:schemeClr>
+            </a:lnRef>
+            <a:fillRef idx="1">
+              <a:schemeClr val="accent1"/>
+            </a:fillRef>
+            <a:effectRef idx="0">
+              <a:schemeClr val="accent1"/>
+            </a:effectRef>
+            <a:fontRef idx="minor">
+              <a:schemeClr val="lt1"/>
+            </a:fontRef>
+          </p:style>
+          <p:txBody>
+            <a:bodyPr rtlCol="0" anchor="ctr"/>
+            <a:lstStyle/>
+            <a:p>
+              <a:pPr algn="ctr"/>
+              <a:endParaRPr lang="zh-TW" altLang="en-US"/>
+            </a:p>
+          </p:txBody>
+        </p:sp>
+        <p:sp>
+          <p:nvSpPr>
+            <p:cNvPr id="29" name="矩形: 圓角 28">
+              <a:extLst>
+                <a:ext uri="{FF2B5EF4-FFF2-40B4-BE49-F238E27FC236}">
+                  <a16:creationId xmlns:a16="http://schemas.microsoft.com/office/drawing/2014/main" id="{7261B174-C81D-45EF-BD22-B5D8516B7944}"/>
+                </a:ext>
+              </a:extLst>
+            </p:cNvPr>
+            <p:cNvSpPr/>
+            <p:nvPr/>
+          </p:nvSpPr>
+          <p:spPr>
+            <a:xfrm>
+              <a:off x="5307495" y="1210166"/>
+              <a:ext cx="280711" cy="293465"/>
+            </a:xfrm>
+            <a:prstGeom prst="roundRect">
+              <a:avLst/>
+            </a:prstGeom>
+            <a:solidFill>
+              <a:schemeClr val="accent1">
+                <a:lumMod val="40000"/>
+                <a:lumOff val="60000"/>
+              </a:schemeClr>
+            </a:solidFill>
+            <a:ln>
+              <a:solidFill>
+                <a:schemeClr val="accent1">
+                  <a:lumMod val="75000"/>
+                </a:schemeClr>
+              </a:solidFill>
+            </a:ln>
+          </p:spPr>
+          <p:style>
+            <a:lnRef idx="2">
+              <a:schemeClr val="accent1">
+                <a:shade val="50000"/>
+              </a:schemeClr>
+            </a:lnRef>
+            <a:fillRef idx="1">
+              <a:schemeClr val="accent1"/>
+            </a:fillRef>
+            <a:effectRef idx="0">
+              <a:schemeClr val="accent1"/>
+            </a:effectRef>
+            <a:fontRef idx="minor">
+              <a:schemeClr val="lt1"/>
+            </a:fontRef>
+          </p:style>
+          <p:txBody>
+            <a:bodyPr rtlCol="0" anchor="ctr"/>
+            <a:lstStyle/>
+            <a:p>
+              <a:pPr algn="ctr"/>
+              <a:endParaRPr lang="zh-TW" altLang="en-US"/>
+            </a:p>
+          </p:txBody>
+        </p:sp>
+      </p:grpSp>
+      <p:grpSp>
+        <p:nvGrpSpPr>
+          <p:cNvPr id="56" name="群組 55">
+            <a:extLst>
+              <a:ext uri="{FF2B5EF4-FFF2-40B4-BE49-F238E27FC236}">
+                <a16:creationId xmlns:a16="http://schemas.microsoft.com/office/drawing/2014/main" id="{C0BEF678-08BF-451A-9B34-C39FE35ECFB6}"/>
+              </a:ext>
+            </a:extLst>
+          </p:cNvPr>
+          <p:cNvGrpSpPr/>
+          <p:nvPr/>
+        </p:nvGrpSpPr>
+        <p:grpSpPr>
+          <a:xfrm>
+            <a:off x="786334" y="2734722"/>
+            <a:ext cx="813600" cy="1054800"/>
+            <a:chOff x="1304146" y="2946506"/>
+            <a:chExt cx="813600" cy="1054800"/>
+          </a:xfrm>
+        </p:grpSpPr>
+        <p:grpSp>
+          <p:nvGrpSpPr>
+            <p:cNvPr id="55" name="群組 54">
+              <a:extLst>
+                <a:ext uri="{FF2B5EF4-FFF2-40B4-BE49-F238E27FC236}">
+                  <a16:creationId xmlns:a16="http://schemas.microsoft.com/office/drawing/2014/main" id="{5044270D-BA6F-464D-83E9-5BCFF6E82E32}"/>
+                </a:ext>
+              </a:extLst>
+            </p:cNvPr>
+            <p:cNvGrpSpPr/>
+            <p:nvPr/>
+          </p:nvGrpSpPr>
+          <p:grpSpPr>
+            <a:xfrm>
+              <a:off x="1371861" y="3115601"/>
+              <a:ext cx="680615" cy="673921"/>
+              <a:chOff x="1430235" y="3106375"/>
+              <a:chExt cx="580601" cy="609506"/>
+            </a:xfrm>
+          </p:grpSpPr>
+          <p:grpSp>
+            <p:nvGrpSpPr>
+              <p:cNvPr id="31" name="群組 30">
+                <a:extLst>
+                  <a:ext uri="{FF2B5EF4-FFF2-40B4-BE49-F238E27FC236}">
+                    <a16:creationId xmlns:a16="http://schemas.microsoft.com/office/drawing/2014/main" id="{8304DE28-4077-41E1-8453-7B879A48ED4D}"/>
+                  </a:ext>
+                </a:extLst>
+              </p:cNvPr>
+              <p:cNvGrpSpPr/>
+              <p:nvPr/>
+            </p:nvGrpSpPr>
+            <p:grpSpPr>
+              <a:xfrm>
+                <a:off x="1430235" y="3106375"/>
+                <a:ext cx="480336" cy="522233"/>
+                <a:chOff x="5740036" y="1365645"/>
+                <a:chExt cx="661193" cy="499000"/>
+              </a:xfrm>
+            </p:grpSpPr>
+            <p:sp>
+              <p:nvSpPr>
+                <p:cNvPr id="34" name="矩形: 圓角 33">
+                  <a:extLst>
+                    <a:ext uri="{FF2B5EF4-FFF2-40B4-BE49-F238E27FC236}">
+                      <a16:creationId xmlns:a16="http://schemas.microsoft.com/office/drawing/2014/main" id="{70411779-7B08-4FD6-B91D-653B4168EB16}"/>
+                    </a:ext>
+                  </a:extLst>
+                </p:cNvPr>
+                <p:cNvSpPr/>
+                <p:nvPr/>
+              </p:nvSpPr>
+              <p:spPr>
+                <a:xfrm>
+                  <a:off x="5904455" y="1469239"/>
+                  <a:ext cx="496774" cy="395406"/>
+                </a:xfrm>
+                <a:prstGeom prst="roundRect">
+                  <a:avLst/>
+                </a:prstGeom>
+                <a:solidFill>
+                  <a:schemeClr val="accent1">
+                    <a:lumMod val="75000"/>
+                  </a:schemeClr>
+                </a:solidFill>
+                <a:ln>
+                  <a:solidFill>
+                    <a:schemeClr val="tx2">
+                      <a:lumMod val="75000"/>
+                    </a:schemeClr>
+                  </a:solidFill>
+                </a:ln>
+              </p:spPr>
+              <p:style>
+                <a:lnRef idx="2">
+                  <a:schemeClr val="accent1">
+                    <a:shade val="50000"/>
+                  </a:schemeClr>
+                </a:lnRef>
+                <a:fillRef idx="1">
+                  <a:schemeClr val="accent1"/>
+                </a:fillRef>
+                <a:effectRef idx="0">
+                  <a:schemeClr val="accent1"/>
+                </a:effectRef>
+                <a:fontRef idx="minor">
+                  <a:schemeClr val="lt1"/>
+                </a:fontRef>
+              </p:style>
+              <p:txBody>
+                <a:bodyPr rtlCol="0" anchor="ctr"/>
+                <a:lstStyle/>
+                <a:p>
+                  <a:pPr algn="ctr"/>
+                  <a:endParaRPr lang="zh-TW" altLang="en-US"/>
+                </a:p>
+              </p:txBody>
+            </p:sp>
+            <p:sp>
+              <p:nvSpPr>
+                <p:cNvPr id="35" name="矩形: 圓角 34">
+                  <a:extLst>
+                    <a:ext uri="{FF2B5EF4-FFF2-40B4-BE49-F238E27FC236}">
+                      <a16:creationId xmlns:a16="http://schemas.microsoft.com/office/drawing/2014/main" id="{E160D328-251D-4858-8A13-3B5667579BF8}"/>
+                    </a:ext>
+                  </a:extLst>
+                </p:cNvPr>
+                <p:cNvSpPr/>
+                <p:nvPr/>
+              </p:nvSpPr>
+              <p:spPr>
+                <a:xfrm>
+                  <a:off x="5740036" y="1365645"/>
+                  <a:ext cx="386405" cy="280409"/>
+                </a:xfrm>
+                <a:prstGeom prst="roundRect">
+                  <a:avLst/>
+                </a:prstGeom>
+                <a:solidFill>
+                  <a:schemeClr val="accent1">
+                    <a:lumMod val="40000"/>
+                    <a:lumOff val="60000"/>
+                  </a:schemeClr>
+                </a:solidFill>
+                <a:ln>
+                  <a:solidFill>
+                    <a:schemeClr val="accent1">
+                      <a:lumMod val="75000"/>
+                    </a:schemeClr>
+                  </a:solidFill>
+                </a:ln>
+              </p:spPr>
+              <p:style>
+                <a:lnRef idx="2">
+                  <a:schemeClr val="accent1">
+                    <a:shade val="50000"/>
+                  </a:schemeClr>
+                </a:lnRef>
+                <a:fillRef idx="1">
+                  <a:schemeClr val="accent1"/>
+                </a:fillRef>
+                <a:effectRef idx="0">
+                  <a:schemeClr val="accent1"/>
+                </a:effectRef>
+                <a:fontRef idx="minor">
+                  <a:schemeClr val="lt1"/>
+                </a:fontRef>
+              </p:style>
+              <p:txBody>
+                <a:bodyPr rtlCol="0" anchor="ctr"/>
+                <a:lstStyle/>
+                <a:p>
+                  <a:pPr algn="ctr"/>
+                  <a:endParaRPr lang="zh-TW" altLang="en-US"/>
+                </a:p>
+              </p:txBody>
+            </p:sp>
+          </p:grpSp>
+          <p:sp>
+            <p:nvSpPr>
+              <p:cNvPr id="33" name="矩形: 圓角 32">
+                <a:extLst>
+                  <a:ext uri="{FF2B5EF4-FFF2-40B4-BE49-F238E27FC236}">
+                    <a16:creationId xmlns:a16="http://schemas.microsoft.com/office/drawing/2014/main" id="{2E45C632-C8C5-40C9-AC73-F332B32D8D11}"/>
+                  </a:ext>
+                </a:extLst>
+              </p:cNvPr>
+              <p:cNvSpPr/>
+              <p:nvPr/>
+            </p:nvSpPr>
+            <p:spPr>
+              <a:xfrm>
+                <a:off x="1730125" y="3422416"/>
+                <a:ext cx="280711" cy="293465"/>
+              </a:xfrm>
+              <a:prstGeom prst="roundRect">
+                <a:avLst/>
+              </a:prstGeom>
+              <a:solidFill>
+                <a:schemeClr val="accent1">
+                  <a:lumMod val="40000"/>
+                  <a:lumOff val="60000"/>
+                </a:schemeClr>
+              </a:solidFill>
+              <a:ln>
+                <a:solidFill>
+                  <a:schemeClr val="accent1">
+                    <a:lumMod val="75000"/>
+                  </a:schemeClr>
+                </a:solidFill>
+              </a:ln>
+            </p:spPr>
+            <p:style>
+              <a:lnRef idx="2">
+                <a:schemeClr val="accent1">
+                  <a:shade val="50000"/>
+                </a:schemeClr>
+              </a:lnRef>
+              <a:fillRef idx="1">
+                <a:schemeClr val="accent1"/>
+              </a:fillRef>
+              <a:effectRef idx="0">
+                <a:schemeClr val="accent1"/>
+              </a:effectRef>
+              <a:fontRef idx="minor">
+                <a:schemeClr val="lt1"/>
+              </a:fontRef>
+            </p:style>
+            <p:txBody>
+              <a:bodyPr rtlCol="0" anchor="ctr"/>
+              <a:lstStyle/>
+              <a:p>
+                <a:pPr algn="ctr"/>
+                <a:endParaRPr lang="zh-TW" altLang="en-US"/>
+              </a:p>
+            </p:txBody>
+          </p:sp>
+        </p:grpSp>
+        <p:sp>
+          <p:nvSpPr>
+            <p:cNvPr id="32" name="矩形 31">
+              <a:extLst>
+                <a:ext uri="{FF2B5EF4-FFF2-40B4-BE49-F238E27FC236}">
+                  <a16:creationId xmlns:a16="http://schemas.microsoft.com/office/drawing/2014/main" id="{BDBDDB9D-E768-47A4-8E6E-C16DCFC63C38}"/>
+                </a:ext>
+              </a:extLst>
+            </p:cNvPr>
+            <p:cNvSpPr/>
+            <p:nvPr/>
+          </p:nvSpPr>
+          <p:spPr>
+            <a:xfrm>
+              <a:off x="1304146" y="2946506"/>
+              <a:ext cx="813600" cy="1054800"/>
+            </a:xfrm>
+            <a:prstGeom prst="rect">
+              <a:avLst/>
+            </a:prstGeom>
+            <a:noFill/>
+            <a:ln>
+              <a:noFill/>
+            </a:ln>
+          </p:spPr>
+          <p:style>
+            <a:lnRef idx="2">
+              <a:schemeClr val="accent1">
+                <a:shade val="50000"/>
+              </a:schemeClr>
+            </a:lnRef>
+            <a:fillRef idx="1">
+              <a:schemeClr val="accent1"/>
+            </a:fillRef>
+            <a:effectRef idx="0">
+              <a:schemeClr val="accent1"/>
+            </a:effectRef>
+            <a:fontRef idx="minor">
+              <a:schemeClr val="lt1"/>
+            </a:fontRef>
+          </p:style>
+          <p:txBody>
+            <a:bodyPr rtlCol="0" anchor="ctr"/>
+            <a:lstStyle/>
+            <a:p>
+              <a:pPr algn="ctr"/>
+              <a:endParaRPr lang="zh-TW" altLang="en-US"/>
+            </a:p>
+          </p:txBody>
+        </p:sp>
+      </p:grpSp>
+      <p:grpSp>
+        <p:nvGrpSpPr>
+          <p:cNvPr id="49" name="群組 48">
+            <a:extLst>
+              <a:ext uri="{FF2B5EF4-FFF2-40B4-BE49-F238E27FC236}">
+                <a16:creationId xmlns:a16="http://schemas.microsoft.com/office/drawing/2014/main" id="{A84AC7A7-4285-4A15-8F13-326ED8A226C1}"/>
+              </a:ext>
+            </a:extLst>
+          </p:cNvPr>
+          <p:cNvGrpSpPr/>
+          <p:nvPr/>
+        </p:nvGrpSpPr>
+        <p:grpSpPr>
+          <a:xfrm>
+            <a:off x="2423313" y="3014807"/>
+            <a:ext cx="813600" cy="1054800"/>
+            <a:chOff x="2423313" y="3014807"/>
+            <a:chExt cx="813600" cy="1054800"/>
+          </a:xfrm>
+        </p:grpSpPr>
+        <p:grpSp>
+          <p:nvGrpSpPr>
+            <p:cNvPr id="37" name="群組 36">
+              <a:extLst>
+                <a:ext uri="{FF2B5EF4-FFF2-40B4-BE49-F238E27FC236}">
+                  <a16:creationId xmlns:a16="http://schemas.microsoft.com/office/drawing/2014/main" id="{A0E160C7-F063-4D84-B2F6-4CFFD83A5E0E}"/>
+                </a:ext>
+              </a:extLst>
+            </p:cNvPr>
+            <p:cNvGrpSpPr/>
+            <p:nvPr/>
+          </p:nvGrpSpPr>
+          <p:grpSpPr>
+            <a:xfrm>
+              <a:off x="2482349" y="3228297"/>
+              <a:ext cx="661352" cy="664195"/>
+              <a:chOff x="5636462" y="1299719"/>
+              <a:chExt cx="1111815" cy="729623"/>
+            </a:xfrm>
+          </p:grpSpPr>
+          <p:sp>
+            <p:nvSpPr>
+              <p:cNvPr id="41" name="矩形: 圓角 40">
+                <a:extLst>
+                  <a:ext uri="{FF2B5EF4-FFF2-40B4-BE49-F238E27FC236}">
+                    <a16:creationId xmlns:a16="http://schemas.microsoft.com/office/drawing/2014/main" id="{9CAEB1E2-A44B-4DDB-A783-2F4CDF2685A9}"/>
+                  </a:ext>
+                </a:extLst>
+              </p:cNvPr>
+              <p:cNvSpPr/>
+              <p:nvPr/>
+            </p:nvSpPr>
+            <p:spPr>
+              <a:xfrm>
+                <a:off x="5636462" y="1299719"/>
+                <a:ext cx="777192" cy="510271"/>
+              </a:xfrm>
+              <a:prstGeom prst="roundRect">
+                <a:avLst/>
+              </a:prstGeom>
+              <a:solidFill>
+                <a:schemeClr val="accent1">
+                  <a:lumMod val="40000"/>
+                  <a:lumOff val="60000"/>
+                </a:schemeClr>
+              </a:solidFill>
+              <a:ln>
+                <a:solidFill>
+                  <a:schemeClr val="accent1">
+                    <a:lumMod val="75000"/>
+                  </a:schemeClr>
+                </a:solidFill>
+              </a:ln>
+            </p:spPr>
+            <p:style>
+              <a:lnRef idx="2">
+                <a:schemeClr val="accent1">
+                  <a:shade val="50000"/>
+                </a:schemeClr>
+              </a:lnRef>
+              <a:fillRef idx="1">
+                <a:schemeClr val="accent1"/>
+              </a:fillRef>
+              <a:effectRef idx="0">
+                <a:schemeClr val="accent1"/>
+              </a:effectRef>
+              <a:fontRef idx="minor">
+                <a:schemeClr val="lt1"/>
+              </a:fontRef>
+            </p:style>
+            <p:txBody>
+              <a:bodyPr rtlCol="0" anchor="ctr"/>
+              <a:lstStyle/>
+              <a:p>
+                <a:pPr algn="ctr"/>
+                <a:endParaRPr lang="zh-TW" altLang="en-US"/>
+              </a:p>
+            </p:txBody>
+          </p:sp>
+          <p:sp>
+            <p:nvSpPr>
+              <p:cNvPr id="40" name="矩形: 圓角 39">
+                <a:extLst>
+                  <a:ext uri="{FF2B5EF4-FFF2-40B4-BE49-F238E27FC236}">
+                    <a16:creationId xmlns:a16="http://schemas.microsoft.com/office/drawing/2014/main" id="{EF792A1E-C582-4FEE-A237-3C30783A0786}"/>
+                  </a:ext>
+                </a:extLst>
+              </p:cNvPr>
+              <p:cNvSpPr/>
+              <p:nvPr/>
+            </p:nvSpPr>
+            <p:spPr>
+              <a:xfrm>
+                <a:off x="5862708" y="1418607"/>
+                <a:ext cx="885569" cy="610735"/>
+              </a:xfrm>
+              <a:prstGeom prst="roundRect">
+                <a:avLst/>
+              </a:prstGeom>
+              <a:solidFill>
+                <a:schemeClr val="accent1">
+                  <a:lumMod val="75000"/>
+                </a:schemeClr>
+              </a:solidFill>
+              <a:ln>
+                <a:solidFill>
+                  <a:schemeClr val="tx2">
+                    <a:lumMod val="75000"/>
+                  </a:schemeClr>
+                </a:solidFill>
+              </a:ln>
+            </p:spPr>
+            <p:style>
+              <a:lnRef idx="2">
+                <a:schemeClr val="accent1">
+                  <a:shade val="50000"/>
+                </a:schemeClr>
+              </a:lnRef>
+              <a:fillRef idx="1">
+                <a:schemeClr val="accent1"/>
+              </a:fillRef>
+              <a:effectRef idx="0">
+                <a:schemeClr val="accent1"/>
+              </a:effectRef>
+              <a:fontRef idx="minor">
+                <a:schemeClr val="lt1"/>
+              </a:fontRef>
+            </p:style>
+            <p:txBody>
+              <a:bodyPr rtlCol="0" anchor="ctr"/>
+              <a:lstStyle/>
+              <a:p>
+                <a:pPr algn="ctr"/>
+                <a:endParaRPr lang="zh-TW" altLang="en-US"/>
+              </a:p>
+            </p:txBody>
+          </p:sp>
+        </p:grpSp>
+        <p:sp>
+          <p:nvSpPr>
+            <p:cNvPr id="38" name="矩形 37">
+              <a:extLst>
+                <a:ext uri="{FF2B5EF4-FFF2-40B4-BE49-F238E27FC236}">
+                  <a16:creationId xmlns:a16="http://schemas.microsoft.com/office/drawing/2014/main" id="{FACCF556-E1C7-438C-846A-8D694B1633B7}"/>
+                </a:ext>
+              </a:extLst>
+            </p:cNvPr>
+            <p:cNvSpPr/>
+            <p:nvPr/>
+          </p:nvSpPr>
+          <p:spPr>
+            <a:xfrm>
+              <a:off x="2423313" y="3014807"/>
+              <a:ext cx="813600" cy="1054800"/>
+            </a:xfrm>
+            <a:prstGeom prst="rect">
+              <a:avLst/>
+            </a:prstGeom>
+            <a:noFill/>
+            <a:ln>
+              <a:noFill/>
+            </a:ln>
+          </p:spPr>
+          <p:style>
+            <a:lnRef idx="2">
+              <a:schemeClr val="accent1">
+                <a:shade val="50000"/>
+              </a:schemeClr>
+            </a:lnRef>
+            <a:fillRef idx="1">
+              <a:schemeClr val="accent1"/>
+            </a:fillRef>
+            <a:effectRef idx="0">
+              <a:schemeClr val="accent1"/>
+            </a:effectRef>
+            <a:fontRef idx="minor">
+              <a:schemeClr val="lt1"/>
+            </a:fontRef>
+          </p:style>
+          <p:txBody>
+            <a:bodyPr rtlCol="0" anchor="ctr"/>
+            <a:lstStyle/>
+            <a:p>
+              <a:pPr algn="ctr"/>
+              <a:endParaRPr lang="zh-TW" altLang="en-US"/>
+            </a:p>
+          </p:txBody>
+        </p:sp>
+      </p:grpSp>
+      <p:grpSp>
+        <p:nvGrpSpPr>
+          <p:cNvPr id="50" name="群組 49">
+            <a:extLst>
+              <a:ext uri="{FF2B5EF4-FFF2-40B4-BE49-F238E27FC236}">
+                <a16:creationId xmlns:a16="http://schemas.microsoft.com/office/drawing/2014/main" id="{FAB1C558-DC5A-4F37-9328-3BFCDA721F6A}"/>
+              </a:ext>
+            </a:extLst>
+          </p:cNvPr>
+          <p:cNvGrpSpPr/>
+          <p:nvPr/>
+        </p:nvGrpSpPr>
+        <p:grpSpPr>
+          <a:xfrm>
+            <a:off x="1824651" y="4477216"/>
+            <a:ext cx="813600" cy="1054800"/>
+            <a:chOff x="2423313" y="3014807"/>
+            <a:chExt cx="813600" cy="1054800"/>
+          </a:xfrm>
+        </p:grpSpPr>
+        <p:grpSp>
+          <p:nvGrpSpPr>
+            <p:cNvPr id="51" name="群組 50">
+              <a:extLst>
+                <a:ext uri="{FF2B5EF4-FFF2-40B4-BE49-F238E27FC236}">
+                  <a16:creationId xmlns:a16="http://schemas.microsoft.com/office/drawing/2014/main" id="{2B7E7AA0-3860-48A2-A1C9-5DE7D1522F27}"/>
+                </a:ext>
+              </a:extLst>
+            </p:cNvPr>
+            <p:cNvGrpSpPr/>
+            <p:nvPr/>
+          </p:nvGrpSpPr>
+          <p:grpSpPr>
+            <a:xfrm>
+              <a:off x="2563926" y="3235409"/>
+              <a:ext cx="500015" cy="554113"/>
+              <a:chOff x="5773600" y="1307531"/>
+              <a:chExt cx="840587" cy="608697"/>
+            </a:xfrm>
+          </p:grpSpPr>
+          <p:sp>
+            <p:nvSpPr>
+              <p:cNvPr id="54" name="矩形: 圓角 53">
+                <a:extLst>
+                  <a:ext uri="{FF2B5EF4-FFF2-40B4-BE49-F238E27FC236}">
+                    <a16:creationId xmlns:a16="http://schemas.microsoft.com/office/drawing/2014/main" id="{28A7AEEA-7B09-4F6D-A0C3-5EC213073452}"/>
+                  </a:ext>
+                </a:extLst>
+              </p:cNvPr>
+              <p:cNvSpPr/>
+              <p:nvPr/>
+            </p:nvSpPr>
+            <p:spPr>
+              <a:xfrm>
+                <a:off x="5773600" y="1307531"/>
+                <a:ext cx="533572" cy="366385"/>
+              </a:xfrm>
+              <a:prstGeom prst="roundRect">
+                <a:avLst/>
+              </a:prstGeom>
+              <a:solidFill>
+                <a:schemeClr val="accent1">
+                  <a:lumMod val="40000"/>
+                  <a:lumOff val="60000"/>
+                </a:schemeClr>
+              </a:solidFill>
+              <a:ln>
+                <a:solidFill>
+                  <a:schemeClr val="accent1">
+                    <a:lumMod val="75000"/>
+                  </a:schemeClr>
+                </a:solidFill>
+              </a:ln>
+            </p:spPr>
+            <p:style>
+              <a:lnRef idx="2">
+                <a:schemeClr val="accent1">
+                  <a:shade val="50000"/>
+                </a:schemeClr>
+              </a:lnRef>
+              <a:fillRef idx="1">
+                <a:schemeClr val="accent1"/>
+              </a:fillRef>
+              <a:effectRef idx="0">
+                <a:schemeClr val="accent1"/>
+              </a:effectRef>
+              <a:fontRef idx="minor">
+                <a:schemeClr val="lt1"/>
+              </a:fontRef>
+            </p:style>
+            <p:txBody>
+              <a:bodyPr rtlCol="0" anchor="ctr"/>
+              <a:lstStyle/>
+              <a:p>
+                <a:pPr algn="ctr"/>
+                <a:endParaRPr lang="zh-TW" altLang="en-US"/>
+              </a:p>
+            </p:txBody>
+          </p:sp>
+          <p:sp>
+            <p:nvSpPr>
+              <p:cNvPr id="53" name="矩形: 圓角 52">
+                <a:extLst>
+                  <a:ext uri="{FF2B5EF4-FFF2-40B4-BE49-F238E27FC236}">
+                    <a16:creationId xmlns:a16="http://schemas.microsoft.com/office/drawing/2014/main" id="{0AD38C2C-A6CF-4861-A9A7-F5C9DC9E6983}"/>
+                  </a:ext>
+                </a:extLst>
+              </p:cNvPr>
+              <p:cNvSpPr/>
+              <p:nvPr/>
+            </p:nvSpPr>
+            <p:spPr>
+              <a:xfrm>
+                <a:off x="5904455" y="1469238"/>
+                <a:ext cx="709732" cy="446990"/>
+              </a:xfrm>
+              <a:prstGeom prst="roundRect">
+                <a:avLst/>
+              </a:prstGeom>
+              <a:solidFill>
+                <a:schemeClr val="accent1">
+                  <a:lumMod val="75000"/>
+                </a:schemeClr>
+              </a:solidFill>
+              <a:ln>
+                <a:solidFill>
+                  <a:schemeClr val="tx2">
+                    <a:lumMod val="75000"/>
+                  </a:schemeClr>
+                </a:solidFill>
+              </a:ln>
+            </p:spPr>
+            <p:style>
+              <a:lnRef idx="2">
+                <a:schemeClr val="accent1">
+                  <a:shade val="50000"/>
+                </a:schemeClr>
+              </a:lnRef>
+              <a:fillRef idx="1">
+                <a:schemeClr val="accent1"/>
+              </a:fillRef>
+              <a:effectRef idx="0">
+                <a:schemeClr val="accent1"/>
+              </a:effectRef>
+              <a:fontRef idx="minor">
+                <a:schemeClr val="lt1"/>
+              </a:fontRef>
+            </p:style>
+            <p:txBody>
+              <a:bodyPr rtlCol="0" anchor="ctr"/>
+              <a:lstStyle/>
+              <a:p>
+                <a:pPr algn="ctr"/>
+                <a:endParaRPr lang="zh-TW" altLang="en-US"/>
+              </a:p>
+            </p:txBody>
+          </p:sp>
+        </p:grpSp>
+        <p:sp>
+          <p:nvSpPr>
+            <p:cNvPr id="52" name="矩形 51">
+              <a:extLst>
+                <a:ext uri="{FF2B5EF4-FFF2-40B4-BE49-F238E27FC236}">
+                  <a16:creationId xmlns:a16="http://schemas.microsoft.com/office/drawing/2014/main" id="{AD04CF1F-8370-443F-9AA2-0F973CD92A45}"/>
+                </a:ext>
+              </a:extLst>
+            </p:cNvPr>
+            <p:cNvSpPr/>
+            <p:nvPr/>
+          </p:nvSpPr>
+          <p:spPr>
+            <a:xfrm>
+              <a:off x="2423313" y="3014807"/>
+              <a:ext cx="813600" cy="1054800"/>
+            </a:xfrm>
+            <a:prstGeom prst="rect">
+              <a:avLst/>
+            </a:prstGeom>
+            <a:noFill/>
+            <a:ln>
+              <a:noFill/>
+            </a:ln>
+          </p:spPr>
+          <p:style>
+            <a:lnRef idx="2">
+              <a:schemeClr val="accent1">
+                <a:shade val="50000"/>
+              </a:schemeClr>
+            </a:lnRef>
+            <a:fillRef idx="1">
+              <a:schemeClr val="accent1"/>
+            </a:fillRef>
+            <a:effectRef idx="0">
+              <a:schemeClr val="accent1"/>
+            </a:effectRef>
+            <a:fontRef idx="minor">
+              <a:schemeClr val="lt1"/>
+            </a:fontRef>
+          </p:style>
+          <p:txBody>
+            <a:bodyPr rtlCol="0" anchor="ctr"/>
+            <a:lstStyle/>
+            <a:p>
+              <a:pPr algn="ctr"/>
+              <a:endParaRPr lang="zh-TW" altLang="en-US"/>
+            </a:p>
+          </p:txBody>
+        </p:sp>
+      </p:grpSp>
     </p:spTree>
     <p:extLst>
       <p:ext uri="{BB962C8B-B14F-4D97-AF65-F5344CB8AC3E}">

--- a/assets/image/image_ppt.pptx
+++ b/assets/image/image_ppt.pptx
@@ -260,7 +260,7 @@
           <a:p>
             <a:fld id="{1596886C-853B-4848-B8EE-238BE0979A82}" type="datetimeFigureOut">
               <a:rPr lang="zh-TW" altLang="en-US" smtClean="0"/>
-              <a:t>2021/2/4</a:t>
+              <a:t>2021/2/6</a:t>
             </a:fld>
             <a:endParaRPr lang="zh-TW" altLang="en-US"/>
           </a:p>
@@ -458,7 +458,7 @@
           <a:p>
             <a:fld id="{1596886C-853B-4848-B8EE-238BE0979A82}" type="datetimeFigureOut">
               <a:rPr lang="zh-TW" altLang="en-US" smtClean="0"/>
-              <a:t>2021/2/4</a:t>
+              <a:t>2021/2/6</a:t>
             </a:fld>
             <a:endParaRPr lang="zh-TW" altLang="en-US"/>
           </a:p>
@@ -666,7 +666,7 @@
           <a:p>
             <a:fld id="{1596886C-853B-4848-B8EE-238BE0979A82}" type="datetimeFigureOut">
               <a:rPr lang="zh-TW" altLang="en-US" smtClean="0"/>
-              <a:t>2021/2/4</a:t>
+              <a:t>2021/2/6</a:t>
             </a:fld>
             <a:endParaRPr lang="zh-TW" altLang="en-US"/>
           </a:p>
@@ -864,7 +864,7 @@
           <a:p>
             <a:fld id="{1596886C-853B-4848-B8EE-238BE0979A82}" type="datetimeFigureOut">
               <a:rPr lang="zh-TW" altLang="en-US" smtClean="0"/>
-              <a:t>2021/2/4</a:t>
+              <a:t>2021/2/6</a:t>
             </a:fld>
             <a:endParaRPr lang="zh-TW" altLang="en-US"/>
           </a:p>
@@ -1139,7 +1139,7 @@
           <a:p>
             <a:fld id="{1596886C-853B-4848-B8EE-238BE0979A82}" type="datetimeFigureOut">
               <a:rPr lang="zh-TW" altLang="en-US" smtClean="0"/>
-              <a:t>2021/2/4</a:t>
+              <a:t>2021/2/6</a:t>
             </a:fld>
             <a:endParaRPr lang="zh-TW" altLang="en-US"/>
           </a:p>
@@ -1404,7 +1404,7 @@
           <a:p>
             <a:fld id="{1596886C-853B-4848-B8EE-238BE0979A82}" type="datetimeFigureOut">
               <a:rPr lang="zh-TW" altLang="en-US" smtClean="0"/>
-              <a:t>2021/2/4</a:t>
+              <a:t>2021/2/6</a:t>
             </a:fld>
             <a:endParaRPr lang="zh-TW" altLang="en-US"/>
           </a:p>
@@ -1816,7 +1816,7 @@
           <a:p>
             <a:fld id="{1596886C-853B-4848-B8EE-238BE0979A82}" type="datetimeFigureOut">
               <a:rPr lang="zh-TW" altLang="en-US" smtClean="0"/>
-              <a:t>2021/2/4</a:t>
+              <a:t>2021/2/6</a:t>
             </a:fld>
             <a:endParaRPr lang="zh-TW" altLang="en-US"/>
           </a:p>
@@ -1957,7 +1957,7 @@
           <a:p>
             <a:fld id="{1596886C-853B-4848-B8EE-238BE0979A82}" type="datetimeFigureOut">
               <a:rPr lang="zh-TW" altLang="en-US" smtClean="0"/>
-              <a:t>2021/2/4</a:t>
+              <a:t>2021/2/6</a:t>
             </a:fld>
             <a:endParaRPr lang="zh-TW" altLang="en-US"/>
           </a:p>
@@ -2070,7 +2070,7 @@
           <a:p>
             <a:fld id="{1596886C-853B-4848-B8EE-238BE0979A82}" type="datetimeFigureOut">
               <a:rPr lang="zh-TW" altLang="en-US" smtClean="0"/>
-              <a:t>2021/2/4</a:t>
+              <a:t>2021/2/6</a:t>
             </a:fld>
             <a:endParaRPr lang="zh-TW" altLang="en-US"/>
           </a:p>
@@ -2381,7 +2381,7 @@
           <a:p>
             <a:fld id="{1596886C-853B-4848-B8EE-238BE0979A82}" type="datetimeFigureOut">
               <a:rPr lang="zh-TW" altLang="en-US" smtClean="0"/>
-              <a:t>2021/2/4</a:t>
+              <a:t>2021/2/6</a:t>
             </a:fld>
             <a:endParaRPr lang="zh-TW" altLang="en-US"/>
           </a:p>
@@ -2669,7 +2669,7 @@
           <a:p>
             <a:fld id="{1596886C-853B-4848-B8EE-238BE0979A82}" type="datetimeFigureOut">
               <a:rPr lang="zh-TW" altLang="en-US" smtClean="0"/>
-              <a:t>2021/2/4</a:t>
+              <a:t>2021/2/6</a:t>
             </a:fld>
             <a:endParaRPr lang="zh-TW" altLang="en-US"/>
           </a:p>
@@ -2910,7 +2910,7 @@
           <a:p>
             <a:fld id="{1596886C-853B-4848-B8EE-238BE0979A82}" type="datetimeFigureOut">
               <a:rPr lang="zh-TW" altLang="en-US" smtClean="0"/>
-              <a:t>2021/2/4</a:t>
+              <a:t>2021/2/6</a:t>
             </a:fld>
             <a:endParaRPr lang="zh-TW" altLang="en-US"/>
           </a:p>
@@ -5744,6 +5744,62 @@
           </p:txBody>
         </p:sp>
       </p:grpSp>
+      <p:sp>
+        <p:nvSpPr>
+          <p:cNvPr id="2" name="十字形 1">
+            <a:extLst>
+              <a:ext uri="{FF2B5EF4-FFF2-40B4-BE49-F238E27FC236}">
+                <a16:creationId xmlns:a16="http://schemas.microsoft.com/office/drawing/2014/main" id="{E7BBB5D1-105F-4CFA-A2A4-37036B865B6A}"/>
+              </a:ext>
+            </a:extLst>
+          </p:cNvPr>
+          <p:cNvSpPr/>
+          <p:nvPr/>
+        </p:nvSpPr>
+        <p:spPr>
+          <a:xfrm>
+            <a:off x="5127050" y="4477217"/>
+            <a:ext cx="568066" cy="554132"/>
+          </a:xfrm>
+          <a:prstGeom prst="plus">
+            <a:avLst>
+              <a:gd name="adj" fmla="val 36911"/>
+            </a:avLst>
+          </a:prstGeom>
+          <a:solidFill>
+            <a:schemeClr val="accent1">
+              <a:lumMod val="75000"/>
+            </a:schemeClr>
+          </a:solidFill>
+          <a:ln>
+            <a:noFill/>
+          </a:ln>
+        </p:spPr>
+        <p:style>
+          <a:lnRef idx="2">
+            <a:schemeClr val="accent1">
+              <a:shade val="50000"/>
+            </a:schemeClr>
+          </a:lnRef>
+          <a:fillRef idx="1">
+            <a:schemeClr val="accent1"/>
+          </a:fillRef>
+          <a:effectRef idx="0">
+            <a:schemeClr val="accent1"/>
+          </a:effectRef>
+          <a:fontRef idx="minor">
+            <a:schemeClr val="lt1"/>
+          </a:fontRef>
+        </p:style>
+        <p:txBody>
+          <a:bodyPr rtlCol="0" anchor="ctr"/>
+          <a:lstStyle/>
+          <a:p>
+            <a:pPr algn="ctr"/>
+            <a:endParaRPr lang="zh-TW" altLang="en-US"/>
+          </a:p>
+        </p:txBody>
+      </p:sp>
     </p:spTree>
     <p:extLst>
       <p:ext uri="{BB962C8B-B14F-4D97-AF65-F5344CB8AC3E}">
